--- a/document/Website Đọc sách.pptx
+++ b/document/Website Đọc sách.pptx
@@ -332,7 +332,7 @@
             <a:fld id="{96DFF08F-DC6B-4601-B491-B0F83F6DD2DA}" type="datetimeFigureOut">
               <a:rPr lang="en-US" dirty="0"/>
               <a:pPr/>
-              <a:t>24/07/2022</a:t>
+              <a:t>26/07/2022</a:t>
             </a:fld>
             <a:endParaRPr lang="en-US" dirty="0"/>
           </a:p>
@@ -549,7 +549,7 @@
           <a:p>
             <a:fld id="{96DFF08F-DC6B-4601-B491-B0F83F6DD2DA}" type="datetimeFigureOut">
               <a:rPr lang="en-US" dirty="0"/>
-              <a:t>24/07/2022</a:t>
+              <a:t>26/07/2022</a:t>
             </a:fld>
             <a:endParaRPr lang="en-US" dirty="0"/>
           </a:p>
@@ -724,7 +724,7 @@
           <a:p>
             <a:fld id="{96DFF08F-DC6B-4601-B491-B0F83F6DD2DA}" type="datetimeFigureOut">
               <a:rPr lang="en-US" dirty="0"/>
-              <a:t>24/07/2022</a:t>
+              <a:t>26/07/2022</a:t>
             </a:fld>
             <a:endParaRPr lang="en-US" dirty="0"/>
           </a:p>
@@ -889,7 +889,7 @@
           <a:p>
             <a:fld id="{96DFF08F-DC6B-4601-B491-B0F83F6DD2DA}" type="datetimeFigureOut">
               <a:rPr lang="en-US" dirty="0"/>
-              <a:t>24/07/2022</a:t>
+              <a:t>26/07/2022</a:t>
             </a:fld>
             <a:endParaRPr lang="en-US" dirty="0"/>
           </a:p>
@@ -1135,7 +1135,7 @@
           <a:p>
             <a:fld id="{96DFF08F-DC6B-4601-B491-B0F83F6DD2DA}" type="datetimeFigureOut">
               <a:rPr lang="en-US" dirty="0"/>
-              <a:t>24/07/2022</a:t>
+              <a:t>26/07/2022</a:t>
             </a:fld>
             <a:endParaRPr lang="en-US" dirty="0"/>
           </a:p>
@@ -1453,7 +1453,7 @@
           <a:p>
             <a:fld id="{96DFF08F-DC6B-4601-B491-B0F83F6DD2DA}" type="datetimeFigureOut">
               <a:rPr lang="en-US" dirty="0"/>
-              <a:t>24/07/2022</a:t>
+              <a:t>26/07/2022</a:t>
             </a:fld>
             <a:endParaRPr lang="en-US" dirty="0"/>
           </a:p>
@@ -1872,7 +1872,7 @@
           <a:p>
             <a:fld id="{96DFF08F-DC6B-4601-B491-B0F83F6DD2DA}" type="datetimeFigureOut">
               <a:rPr lang="en-US" dirty="0"/>
-              <a:t>24/07/2022</a:t>
+              <a:t>26/07/2022</a:t>
             </a:fld>
             <a:endParaRPr lang="en-US" dirty="0"/>
           </a:p>
@@ -1985,7 +1985,7 @@
           <a:p>
             <a:fld id="{96DFF08F-DC6B-4601-B491-B0F83F6DD2DA}" type="datetimeFigureOut">
               <a:rPr lang="en-US" dirty="0"/>
-              <a:t>24/07/2022</a:t>
+              <a:t>26/07/2022</a:t>
             </a:fld>
             <a:endParaRPr lang="en-US" dirty="0"/>
           </a:p>
@@ -2075,7 +2075,7 @@
           <a:p>
             <a:fld id="{96DFF08F-DC6B-4601-B491-B0F83F6DD2DA}" type="datetimeFigureOut">
               <a:rPr lang="en-US" dirty="0"/>
-              <a:t>24/07/2022</a:t>
+              <a:t>26/07/2022</a:t>
             </a:fld>
             <a:endParaRPr lang="en-US" dirty="0"/>
           </a:p>
@@ -2360,7 +2360,7 @@
           <a:p>
             <a:fld id="{96DFF08F-DC6B-4601-B491-B0F83F6DD2DA}" type="datetimeFigureOut">
               <a:rPr lang="en-US" dirty="0"/>
-              <a:t>24/07/2022</a:t>
+              <a:t>26/07/2022</a:t>
             </a:fld>
             <a:endParaRPr lang="en-US" dirty="0"/>
           </a:p>
@@ -2627,7 +2627,7 @@
           <a:p>
             <a:fld id="{96DFF08F-DC6B-4601-B491-B0F83F6DD2DA}" type="datetimeFigureOut">
               <a:rPr lang="en-US" dirty="0"/>
-              <a:t>24/07/2022</a:t>
+              <a:t>26/07/2022</a:t>
             </a:fld>
             <a:endParaRPr lang="en-US" dirty="0"/>
           </a:p>
@@ -2876,7 +2876,7 @@
             <a:fld id="{96DFF08F-DC6B-4601-B491-B0F83F6DD2DA}" type="datetimeFigureOut">
               <a:rPr lang="en-US" dirty="0"/>
               <a:pPr/>
-              <a:t>24/07/2022</a:t>
+              <a:t>26/07/2022</a:t>
             </a:fld>
             <a:endParaRPr lang="en-US" dirty="0"/>
           </a:p>
@@ -4550,7 +4550,7 @@
       </p:sp>
       <p:pic>
         <p:nvPicPr>
-          <p:cNvPr id="7" name="Content Placeholder 6"/>
+          <p:cNvPr id="4" name="Content Placeholder 3"/>
           <p:cNvPicPr>
             <a:picLocks noGrp="1" noChangeAspect="1"/>
           </p:cNvPicPr>
@@ -4566,8 +4566,8 @@
         </p:blipFill>
         <p:spPr>
           <a:xfrm>
-            <a:off x="1444752" y="1093340"/>
-            <a:ext cx="8277455" cy="5426332"/>
+            <a:off x="1113079" y="918357"/>
+            <a:ext cx="8940800" cy="5594244"/>
           </a:xfrm>
           <a:prstGeom prst="rect">
             <a:avLst/>
